--- a/Slides_MICRO58/1.gpu_arch.pptx
+++ b/Slides_MICRO58/1.gpu_arch.pptx
@@ -6,10 +6,10 @@
     <p:sldMasterId id="2147483685" r:id="rId2"/>
   </p:sldMasterIdLst>
   <p:notesMasterIdLst>
-    <p:notesMasterId r:id="rId17"/>
+    <p:notesMasterId r:id="rId18"/>
   </p:notesMasterIdLst>
   <p:handoutMasterIdLst>
-    <p:handoutMasterId r:id="rId18"/>
+    <p:handoutMasterId r:id="rId19"/>
   </p:handoutMasterIdLst>
   <p:sldIdLst>
     <p:sldId id="407" r:id="rId3"/>
@@ -26,6 +26,7 @@
     <p:sldId id="629" r:id="rId14"/>
     <p:sldId id="627" r:id="rId15"/>
     <p:sldId id="632" r:id="rId16"/>
+    <p:sldId id="633" r:id="rId17"/>
   </p:sldIdLst>
   <p:sldSz cx="9144000" cy="6858000" type="screen4x3"/>
   <p:notesSz cx="6858000" cy="9144000"/>
@@ -31181,6 +31182,172 @@
 </p:sld>
 </file>
 
+<file path=ppt/slides/slide15.xml><?xml version="1.0" encoding="utf-8"?>
+<p:sld xmlns:a="http://schemas.openxmlformats.org/drawingml/2006/main" xmlns:r="http://schemas.openxmlformats.org/officeDocument/2006/relationships" xmlns:p="http://schemas.openxmlformats.org/presentationml/2006/main">
+  <p:cSld>
+    <p:spTree>
+      <p:nvGrpSpPr>
+        <p:cNvPr id="1" name=""/>
+        <p:cNvGrpSpPr/>
+        <p:nvPr/>
+      </p:nvGrpSpPr>
+      <p:grpSpPr>
+        <a:xfrm>
+          <a:off x="0" y="0"/>
+          <a:ext cx="0" cy="0"/>
+          <a:chOff x="0" y="0"/>
+          <a:chExt cx="0" cy="0"/>
+        </a:xfrm>
+      </p:grpSpPr>
+      <p:sp>
+        <p:nvSpPr>
+          <p:cNvPr id="2" name="Title 1">
+            <a:extLst>
+              <a:ext uri="{FF2B5EF4-FFF2-40B4-BE49-F238E27FC236}">
+                <a16:creationId xmlns:a16="http://schemas.microsoft.com/office/drawing/2014/main" id="{5C9ACCB8-BB84-ADB2-91E2-92E66E23099F}"/>
+              </a:ext>
+            </a:extLst>
+          </p:cNvPr>
+          <p:cNvSpPr>
+            <a:spLocks noGrp="1"/>
+          </p:cNvSpPr>
+          <p:nvPr>
+            <p:ph type="title"/>
+          </p:nvPr>
+        </p:nvSpPr>
+        <p:spPr/>
+        <p:txBody>
+          <a:bodyPr/>
+          <a:lstStyle/>
+          <a:p>
+            <a:r>
+              <a:rPr lang="en-US" dirty="0"/>
+              <a:t>A few links: </a:t>
+            </a:r>
+          </a:p>
+        </p:txBody>
+      </p:sp>
+      <p:sp>
+        <p:nvSpPr>
+          <p:cNvPr id="3" name="Content Placeholder 2">
+            <a:extLst>
+              <a:ext uri="{FF2B5EF4-FFF2-40B4-BE49-F238E27FC236}">
+                <a16:creationId xmlns:a16="http://schemas.microsoft.com/office/drawing/2014/main" id="{D76F4CE9-EC57-2757-C3F6-759159A869A1}"/>
+              </a:ext>
+            </a:extLst>
+          </p:cNvPr>
+          <p:cNvSpPr>
+            <a:spLocks noGrp="1"/>
+          </p:cNvSpPr>
+          <p:nvPr>
+            <p:ph idx="1"/>
+          </p:nvPr>
+        </p:nvSpPr>
+        <p:spPr/>
+        <p:txBody>
+          <a:bodyPr/>
+          <a:lstStyle/>
+          <a:p>
+            <a:r>
+              <a:rPr lang="en-US" dirty="0">
+                <a:hlinkClick r:id="rId2"/>
+              </a:rPr>
+              <a:t>Tutorial Homepage: </a:t>
+            </a:r>
+          </a:p>
+          <a:p>
+            <a:r>
+              <a:rPr lang="en-US" dirty="0">
+                <a:hlinkClick r:id="rId2"/>
+              </a:rPr>
+              <a:t>https://github.com/vortexgpgpu/vortex_tutorials/</a:t>
+            </a:r>
+          </a:p>
+          <a:p>
+            <a:r>
+              <a:rPr lang="en-US" dirty="0">
+                <a:hlinkClick r:id="rId2"/>
+              </a:rPr>
+              <a:t>https://github.com/vortexgpgpu/vortex_tutorials/blob/main/REMOTE_ACCESS.md</a:t>
+            </a:r>
+            <a:endParaRPr lang="en-US" dirty="0"/>
+          </a:p>
+          <a:p>
+            <a:endParaRPr lang="en-US" dirty="0"/>
+          </a:p>
+          <a:p>
+            <a:r>
+              <a:rPr lang="en-US" dirty="0"/>
+              <a:t>Please use the </a:t>
+            </a:r>
+            <a:r>
+              <a:rPr lang="en-US" u="sng" dirty="0">
+                <a:hlinkClick r:id="rId3"/>
+              </a:rPr>
+              <a:t>form to submit your Github ID</a:t>
+            </a:r>
+            <a:r>
+              <a:rPr lang="en-US" dirty="0"/>
+              <a:t> to reserve a slot to use for the duration of the tutorial</a:t>
+            </a:r>
+          </a:p>
+          <a:p>
+            <a:endParaRPr lang="en-US" dirty="0"/>
+          </a:p>
+        </p:txBody>
+      </p:sp>
+      <p:sp>
+        <p:nvSpPr>
+          <p:cNvPr id="4" name="Footer Placeholder 3">
+            <a:extLst>
+              <a:ext uri="{FF2B5EF4-FFF2-40B4-BE49-F238E27FC236}">
+                <a16:creationId xmlns:a16="http://schemas.microsoft.com/office/drawing/2014/main" id="{79FDCA72-F9AF-2C83-0CB5-2328B623CEDB}"/>
+              </a:ext>
+            </a:extLst>
+          </p:cNvPr>
+          <p:cNvSpPr>
+            <a:spLocks noGrp="1"/>
+          </p:cNvSpPr>
+          <p:nvPr>
+            <p:ph type="ftr" sz="quarter" idx="10"/>
+          </p:nvPr>
+        </p:nvSpPr>
+        <p:spPr/>
+        <p:txBody>
+          <a:bodyPr/>
+          <a:lstStyle/>
+          <a:p>
+            <a:pPr>
+              <a:defRPr/>
+            </a:pPr>
+            <a:r>
+              <a:rPr lang="en-US">
+                <a:solidFill>
+                  <a:srgbClr val="000000"/>
+                </a:solidFill>
+                <a:latin typeface="AUdimat"/>
+              </a:rPr>
+              <a:t> </a:t>
+            </a:r>
+          </a:p>
+        </p:txBody>
+      </p:sp>
+    </p:spTree>
+    <p:extLst>
+      <p:ext uri="{BB962C8B-B14F-4D97-AF65-F5344CB8AC3E}">
+        <p14:creationId xmlns:p14="http://schemas.microsoft.com/office/powerpoint/2010/main" val="1069426827"/>
+      </p:ext>
+    </p:extLst>
+  </p:cSld>
+  <p:clrMapOvr>
+    <a:masterClrMapping/>
+  </p:clrMapOvr>
+  <p:transition>
+    <p:fade/>
+  </p:transition>
+</p:sld>
+</file>
+
 <file path=ppt/slides/slide2.xml><?xml version="1.0" encoding="utf-8"?>
 <p:sld xmlns:a="http://schemas.openxmlformats.org/drawingml/2006/main" xmlns:r="http://schemas.openxmlformats.org/officeDocument/2006/relationships" xmlns:p="http://schemas.openxmlformats.org/presentationml/2006/main">
   <p:cSld>
